--- a/doc/Poster for Taste of Wine and Research-v3.pptx
+++ b/doc/Poster for Taste of Wine and Research-v3.pptx
@@ -4542,17 +4542,8 @@
                   <a:rPr lang="en-GB" sz="2333" dirty="0">
                     <a:latin typeface="Times New Roman" pitchFamily="18" charset="0"/>
                   </a:rPr>
-                  <a:t>. The total number of words in the list is less than </a:t>
+                  <a:t>. The total number of words in the list is less than R (compression rate).</a:t>
                 </a:r>
-                <a:r>
-                  <a:rPr lang="en-GB" sz="2333" dirty="0">
-                    <a:latin typeface="Times New Roman" pitchFamily="18" charset="0"/>
-                  </a:rPr>
-                  <a:t>R (compression rate).</a:t>
-                </a:r>
-                <a:endParaRPr lang="en-GB" sz="2333" dirty="0">
-                  <a:latin typeface="Times New Roman" pitchFamily="18" charset="0"/>
-                </a:endParaRPr>
               </a:p>
               <a:p>
                 <a:pPr algn="just" defTabSz="510642" eaLnBrk="0" hangingPunct="0">
@@ -4763,19 +4754,7 @@
                   <a:rPr lang="en-US" sz="2333" dirty="0" smtClean="0">
                     <a:latin typeface="Times New Roman" pitchFamily="18" charset="0"/>
                   </a:rPr>
-                  <a:t>the </a:t>
-                </a:r>
-                <a:r>
-                  <a:rPr lang="en-US" sz="2333" dirty="0" smtClean="0">
-                    <a:latin typeface="Times New Roman" pitchFamily="18" charset="0"/>
-                  </a:rPr>
-                  <a:t>centroid </a:t>
-                </a:r>
-                <a:r>
-                  <a:rPr lang="en-US" sz="2333" dirty="0" smtClean="0">
-                    <a:latin typeface="Times New Roman" pitchFamily="18" charset="0"/>
-                  </a:rPr>
-                  <a:t>for </a:t>
+                  <a:t>the centroid for </a:t>
                 </a:r>
                 <a:r>
                   <a:rPr lang="en-US" sz="2333" dirty="0">
@@ -5201,7 +5180,7 @@
                   <a:rPr lang="en-US" sz="4000" dirty="0" smtClean="0">
                     <a:latin typeface="Times New Roman" pitchFamily="18" charset="0"/>
                   </a:rPr>
-                  <a:t>topics</a:t>
+                  <a:t>clusters</a:t>
                 </a:r>
                 <a:endParaRPr lang="en-US" sz="4000" dirty="0">
                   <a:latin typeface="Times New Roman" pitchFamily="18" charset="0"/>
@@ -6495,19 +6474,7 @@
               <a:rPr lang="en-US" sz="2333" b="1" dirty="0" smtClean="0">
                 <a:latin typeface="Times New Roman" pitchFamily="18" charset="0"/>
               </a:rPr>
-              <a:t>instructors via </a:t>
-            </a:r>
-            <a:r>
-              <a:rPr lang="en-US" sz="2333" b="1" dirty="0" smtClean="0">
-                <a:latin typeface="Times New Roman" pitchFamily="18" charset="0"/>
-              </a:rPr>
-              <a:t>reflections</a:t>
-            </a:r>
-            <a:r>
-              <a:rPr lang="en-US" sz="2333" b="1" dirty="0" smtClean="0">
-                <a:latin typeface="Times New Roman" pitchFamily="18" charset="0"/>
-              </a:rPr>
-              <a:t>, it needs</a:t>
+              <a:t>instructors via reflections, it needs</a:t>
             </a:r>
           </a:p>
           <a:p>
@@ -6765,25 +6732,7 @@
               <a:rPr lang="en-US" sz="2333" b="1" dirty="0" smtClean="0">
                 <a:latin typeface="Times New Roman" pitchFamily="18" charset="0"/>
               </a:rPr>
-              <a:t>is better than</a:t>
-            </a:r>
-            <a:r>
-              <a:rPr lang="en-US" sz="2333" b="1" dirty="0" smtClean="0">
-                <a:latin typeface="Times New Roman" pitchFamily="18" charset="0"/>
-              </a:rPr>
-              <a:t> </a:t>
-            </a:r>
-            <a:r>
-              <a:rPr lang="en-US" sz="2333" b="1" dirty="0" smtClean="0">
-                <a:latin typeface="Times New Roman" pitchFamily="18" charset="0"/>
-              </a:rPr>
-              <a:t>sentence </a:t>
-            </a:r>
-            <a:r>
-              <a:rPr lang="en-US" sz="2333" b="1" dirty="0" smtClean="0">
-                <a:latin typeface="Times New Roman" pitchFamily="18" charset="0"/>
-              </a:rPr>
-              <a:t>summarization</a:t>
+              <a:t>is better than sentence summarization</a:t>
             </a:r>
             <a:endParaRPr lang="en-US" sz="2333" b="1" dirty="0">
               <a:latin typeface="Times New Roman" pitchFamily="18" charset="0"/>
@@ -6887,19 +6836,7 @@
               <a:rPr lang="en-US" sz="2333" b="1" dirty="0" smtClean="0">
                 <a:latin typeface="Times New Roman" pitchFamily="18" charset="0"/>
               </a:rPr>
-              <a:t>Phrase</a:t>
-            </a:r>
-            <a:r>
-              <a:rPr lang="en-US" sz="2333" b="1" dirty="0" smtClean="0">
-                <a:latin typeface="Times New Roman" pitchFamily="18" charset="0"/>
-              </a:rPr>
-              <a:t> </a:t>
-            </a:r>
-            <a:r>
-              <a:rPr lang="en-US" sz="2333" b="1" dirty="0" smtClean="0">
-                <a:latin typeface="Times New Roman" pitchFamily="18" charset="0"/>
-              </a:rPr>
-              <a:t>summarization based on </a:t>
+              <a:t>Phrase summarization based on </a:t>
             </a:r>
             <a:r>
               <a:rPr lang="en-US" sz="2333" b="1" i="1" dirty="0" smtClean="0">
@@ -7198,13 +7135,7 @@
               <a:rPr lang="en-US" sz="2333" dirty="0" smtClean="0">
                 <a:latin typeface="Times New Roman" pitchFamily="18" charset="0"/>
               </a:rPr>
-              <a:t>extraction (Hasan &amp; Ng, 2014</a:t>
-            </a:r>
-            <a:r>
-              <a:rPr lang="en-US" sz="2333" dirty="0" smtClean="0">
-                <a:latin typeface="Times New Roman" pitchFamily="18" charset="0"/>
-              </a:rPr>
-              <a:t>)</a:t>
+              <a:t>extraction (Hasan &amp; Ng, 2014)</a:t>
             </a:r>
             <a:endParaRPr lang="en-US" sz="2333" dirty="0">
               <a:latin typeface="Times New Roman" pitchFamily="18" charset="0"/>
@@ -8746,7 +8677,7 @@
           <p:nvPr>
             <p:extLst>
               <p:ext uri="{D42A27DB-BD31-4B8C-83A1-F6EECF244321}">
-                <p14:modId xmlns:p14="http://schemas.microsoft.com/office/powerpoint/2010/main" val="3345131629"/>
+                <p14:modId xmlns:p14="http://schemas.microsoft.com/office/powerpoint/2010/main" val="392454713"/>
               </p:ext>
             </p:extLst>
           </p:nvPr>
@@ -10060,7 +9991,7 @@
                     <a:bodyPr/>
                     <a:lstStyle/>
                     <a:p>
-                      <a:pPr marL="0" marR="0">
+                      <a:pPr marL="0" marR="0" algn="l" defTabSz="761994" rtl="0" eaLnBrk="1" latinLnBrk="0" hangingPunct="1">
                         <a:lnSpc>
                           <a:spcPct val="107000"/>
                         </a:lnSpc>
@@ -10072,14 +10003,11 @@
                         </a:spcAft>
                       </a:pPr>
                       <a:r>
-                        <a:rPr lang="en-US" sz="1600" b="0" kern="1200" dirty="0">
+                        <a:rPr lang="en-US" sz="1600" kern="1200" dirty="0">
                           <a:solidFill>
                             <a:schemeClr val="tx1"/>
                           </a:solidFill>
                           <a:effectLst/>
-                          <a:highlight>
-                            <a:srgbClr val="00FF00"/>
-                          </a:highlight>
                           <a:latin typeface="Times New Roman" panose="02020603050405020304" pitchFamily="18" charset="0"/>
                           <a:ea typeface="+mn-ea"/>
                           <a:cs typeface="Times New Roman" panose="02020603050405020304" pitchFamily="18" charset="0"/>
@@ -11332,13 +11260,7 @@
               <a:rPr lang="en-US" altLang="zh-CN" sz="2333" dirty="0" smtClean="0">
                 <a:latin typeface="Times New Roman" pitchFamily="18" charset="0"/>
               </a:rPr>
-              <a:t>by </a:t>
-            </a:r>
-            <a:r>
-              <a:rPr lang="en-US" altLang="zh-CN" sz="2333" dirty="0" smtClean="0">
-                <a:latin typeface="Times New Roman" pitchFamily="18" charset="0"/>
-              </a:rPr>
-              <a:t>clustering</a:t>
+              <a:t>by clustering</a:t>
             </a:r>
             <a:endParaRPr lang="en-US" altLang="zh-CN" sz="2333" dirty="0">
               <a:latin typeface="Times New Roman" pitchFamily="18" charset="0"/>
@@ -11409,13 +11331,7 @@
               <a:rPr lang="en-US" altLang="zh-CN" sz="2333" dirty="0" smtClean="0">
                 <a:latin typeface="Times New Roman" pitchFamily="18" charset="0"/>
               </a:rPr>
-              <a:t>human </a:t>
-            </a:r>
-            <a:r>
-              <a:rPr lang="en-US" altLang="zh-CN" sz="2333" dirty="0" smtClean="0">
-                <a:latin typeface="Times New Roman" pitchFamily="18" charset="0"/>
-              </a:rPr>
-              <a:t>evaluation</a:t>
+              <a:t>human evaluation</a:t>
             </a:r>
             <a:endParaRPr lang="en-US" altLang="zh-CN" sz="2333" dirty="0">
               <a:latin typeface="Times New Roman" pitchFamily="18" charset="0"/>
@@ -11445,6 +11361,132 @@
             </a:r>
             <a:endParaRPr lang="zh-CN" altLang="en-US" sz="2000" i="1" dirty="0">
               <a:latin typeface="Times New Roman" pitchFamily="18" charset="0"/>
+            </a:endParaRPr>
+          </a:p>
+        </p:txBody>
+      </p:sp>
+      <p:sp>
+        <p:nvSpPr>
+          <p:cNvPr id="12" name="Rectangle 11"/>
+          <p:cNvSpPr/>
+          <p:nvPr/>
+        </p:nvSpPr>
+        <p:spPr bwMode="auto">
+          <a:xfrm>
+            <a:off x="20212050" y="11601450"/>
+            <a:ext cx="4486275" cy="304800"/>
+          </a:xfrm>
+          <a:prstGeom prst="rect">
+            <a:avLst/>
+          </a:prstGeom>
+          <a:solidFill>
+            <a:schemeClr val="bg1"/>
+          </a:solidFill>
+          <a:ln w="9525" cap="flat" cmpd="sng" algn="ctr">
+            <a:noFill/>
+            <a:prstDash val="solid"/>
+            <a:round/>
+            <a:headEnd type="none" w="med" len="med"/>
+            <a:tailEnd type="none" w="med" len="med"/>
+          </a:ln>
+          <a:effectLst/>
+        </p:spPr>
+        <p:txBody>
+          <a:bodyPr vert="horz" wrap="none" lIns="91440" tIns="45720" rIns="91440" bIns="45720" numCol="1" rtlCol="0" anchor="ctr" anchorCtr="0" compatLnSpc="1">
+            <a:prstTxWarp prst="textNoShape">
+              <a:avLst/>
+            </a:prstTxWarp>
+          </a:bodyPr>
+          <a:lstStyle/>
+          <a:p>
+            <a:pPr marL="0" marR="0" indent="0" algn="ctr" defTabSz="4389438" rtl="0" eaLnBrk="1" fontAlgn="base" latinLnBrk="0" hangingPunct="1">
+              <a:lnSpc>
+                <a:spcPct val="100000"/>
+              </a:lnSpc>
+              <a:spcBef>
+                <a:spcPct val="0"/>
+              </a:spcBef>
+              <a:spcAft>
+                <a:spcPct val="0"/>
+              </a:spcAft>
+              <a:buClrTx/>
+              <a:buSzTx/>
+              <a:buFontTx/>
+              <a:buNone/>
+              <a:tabLst/>
+            </a:pPr>
+            <a:endParaRPr kumimoji="0" lang="en-US" sz="8600" b="0" i="0" u="none" strike="noStrike" cap="none" normalizeH="0" baseline="0" smtClean="0">
+              <a:ln>
+                <a:noFill/>
+              </a:ln>
+              <a:solidFill>
+                <a:schemeClr val="tx1"/>
+              </a:solidFill>
+              <a:effectLst/>
+              <a:latin typeface="Arial" charset="0"/>
+            </a:endParaRPr>
+          </a:p>
+        </p:txBody>
+      </p:sp>
+      <p:sp>
+        <p:nvSpPr>
+          <p:cNvPr id="61" name="Rectangle 60"/>
+          <p:cNvSpPr/>
+          <p:nvPr/>
+        </p:nvSpPr>
+        <p:spPr bwMode="auto">
+          <a:xfrm>
+            <a:off x="20268669" y="12479246"/>
+            <a:ext cx="4486275" cy="304800"/>
+          </a:xfrm>
+          <a:prstGeom prst="rect">
+            <a:avLst/>
+          </a:prstGeom>
+          <a:solidFill>
+            <a:schemeClr val="bg1"/>
+          </a:solidFill>
+          <a:ln w="9525" cap="flat" cmpd="sng" algn="ctr">
+            <a:noFill/>
+            <a:prstDash val="solid"/>
+            <a:round/>
+            <a:headEnd type="none" w="med" len="med"/>
+            <a:tailEnd type="none" w="med" len="med"/>
+          </a:ln>
+          <a:effectLst/>
+        </p:spPr>
+        <p:txBody>
+          <a:bodyPr vert="horz" wrap="none" lIns="91440" tIns="45720" rIns="91440" bIns="45720" numCol="1" rtlCol="0" anchor="ctr" anchorCtr="0" compatLnSpc="1">
+            <a:prstTxWarp prst="textNoShape">
+              <a:avLst/>
+            </a:prstTxWarp>
+          </a:bodyPr>
+          <a:lstStyle/>
+          <a:p>
+            <a:pPr marL="0" marR="0" indent="0" algn="ctr" defTabSz="4389438" rtl="0" eaLnBrk="1" fontAlgn="base" latinLnBrk="0" hangingPunct="1">
+              <a:lnSpc>
+                <a:spcPct val="100000"/>
+              </a:lnSpc>
+              <a:spcBef>
+                <a:spcPct val="0"/>
+              </a:spcBef>
+              <a:spcAft>
+                <a:spcPct val="0"/>
+              </a:spcAft>
+              <a:buClrTx/>
+              <a:buSzTx/>
+              <a:buFontTx/>
+              <a:buNone/>
+              <a:tabLst/>
+            </a:pPr>
+            <a:endParaRPr kumimoji="0" lang="en-US" sz="8600" b="0" i="0" u="none" strike="noStrike" cap="none" normalizeH="0" baseline="0" smtClean="0">
+              <a:ln>
+                <a:noFill/>
+              </a:ln>
+              <a:solidFill>
+                <a:schemeClr val="tx1"/>
+              </a:solidFill>
+              <a:effectLst/>
+              <a:latin typeface="Arial" charset="0"/>
             </a:endParaRPr>
           </a:p>
         </p:txBody>

--- a/doc/Poster for Taste of Wine and Research-v3.pptx
+++ b/doc/Poster for Taste of Wine and Research-v3.pptx
@@ -4406,8 +4406,8 @@
           </a:p>
         </p:txBody>
       </p:sp>
-      <mc:AlternateContent xmlns:mc="http://schemas.openxmlformats.org/markup-compatibility/2006">
-        <mc:Choice xmlns:a14="http://schemas.microsoft.com/office/drawing/2010/main" Requires="a14">
+      <mc:AlternateContent xmlns:mc="http://schemas.openxmlformats.org/markup-compatibility/2006" xmlns:a14="http://schemas.microsoft.com/office/drawing/2010/main">
+        <mc:Choice Requires="a14">
           <p:sp>
             <p:nvSpPr>
               <p:cNvPr id="2084" name="Text Box 36"/>
@@ -5274,7 +5274,7 @@
             </p:txBody>
           </p:sp>
         </mc:Choice>
-        <mc:Fallback>
+        <mc:Fallback xmlns="">
           <p:sp>
             <p:nvSpPr>
               <p:cNvPr id="2084" name="Text Box 36"/>
@@ -8684,7 +8684,7 @@
         </p:nvGraphicFramePr>
         <p:xfrm>
           <a:off x="27842766" y="13235339"/>
-          <a:ext cx="7655717" cy="3372706"/>
+          <a:ext cx="7655717" cy="3172914"/>
         </p:xfrm>
         <a:graphic>
           <a:graphicData uri="http://schemas.openxmlformats.org/drawingml/2006/table">
@@ -10527,166 +10527,151 @@
           </a:p>
         </p:txBody>
       </p:sp>
-      <p:grpSp>
-        <p:nvGrpSpPr>
-          <p:cNvPr id="4" name="Group 3"/>
-          <p:cNvGrpSpPr/>
+      <p:pic>
+        <p:nvPicPr>
+          <p:cNvPr id="54" name="Picture 53"/>
+          <p:cNvPicPr/>
           <p:nvPr/>
-        </p:nvGrpSpPr>
-        <p:grpSpPr>
+        </p:nvPicPr>
+        <p:blipFill>
+          <a:blip r:embed="rId19" cstate="print">
+            <a:extLst>
+              <a:ext uri="{28A0092B-C50C-407E-A947-70E740481C1C}">
+                <a14:useLocalDpi xmlns:a14="http://schemas.microsoft.com/office/drawing/2010/main" val="0"/>
+              </a:ext>
+            </a:extLst>
+          </a:blip>
+          <a:srcRect/>
+          <a:stretch>
+            <a:fillRect/>
+          </a:stretch>
+        </p:blipFill>
+        <p:spPr bwMode="auto">
           <a:xfrm>
-            <a:off x="18623651" y="15994238"/>
-            <a:ext cx="8075081" cy="2577131"/>
-            <a:chOff x="18605500" y="16219302"/>
-            <a:chExt cx="8075081" cy="2577131"/>
+            <a:off x="21659427" y="15994238"/>
+            <a:ext cx="1923415" cy="1920240"/>
           </a:xfrm>
-        </p:grpSpPr>
-        <p:pic>
-          <p:nvPicPr>
-            <p:cNvPr id="54" name="Picture 53"/>
-            <p:cNvPicPr/>
-            <p:nvPr/>
-          </p:nvPicPr>
-          <p:blipFill>
-            <a:blip r:embed="rId19" cstate="print">
-              <a:extLst>
-                <a:ext uri="{28A0092B-C50C-407E-A947-70E740481C1C}">
-                  <a14:useLocalDpi xmlns:a14="http://schemas.microsoft.com/office/drawing/2010/main" val="0"/>
-                </a:ext>
-              </a:extLst>
-            </a:blip>
-            <a:srcRect/>
-            <a:stretch>
-              <a:fillRect/>
-            </a:stretch>
-          </p:blipFill>
-          <p:spPr bwMode="auto">
-            <a:xfrm>
-              <a:off x="21641276" y="16219302"/>
-              <a:ext cx="1923415" cy="1920240"/>
-            </a:xfrm>
-            <a:prstGeom prst="rect">
-              <a:avLst/>
-            </a:prstGeom>
+          <a:prstGeom prst="rect">
+            <a:avLst/>
+          </a:prstGeom>
+          <a:noFill/>
+          <a:ln>
             <a:noFill/>
-            <a:ln>
-              <a:noFill/>
-            </a:ln>
-          </p:spPr>
-        </p:pic>
-        <p:pic>
-          <p:nvPicPr>
-            <p:cNvPr id="55" name="Picture 54"/>
-            <p:cNvPicPr/>
-            <p:nvPr/>
-          </p:nvPicPr>
-          <p:blipFill>
-            <a:blip r:embed="rId20" cstate="print">
-              <a:extLst>
-                <a:ext uri="{28A0092B-C50C-407E-A947-70E740481C1C}">
-                  <a14:useLocalDpi xmlns:a14="http://schemas.microsoft.com/office/drawing/2010/main" val="0"/>
-                </a:ext>
-              </a:extLst>
-            </a:blip>
-            <a:srcRect/>
-            <a:stretch>
-              <a:fillRect/>
-            </a:stretch>
-          </p:blipFill>
-          <p:spPr bwMode="auto">
-            <a:xfrm>
-              <a:off x="19130565" y="16219302"/>
-              <a:ext cx="1923415" cy="1920240"/>
-            </a:xfrm>
-            <a:prstGeom prst="rect">
-              <a:avLst/>
-            </a:prstGeom>
+          </a:ln>
+        </p:spPr>
+      </p:pic>
+      <p:pic>
+        <p:nvPicPr>
+          <p:cNvPr id="55" name="Picture 54"/>
+          <p:cNvPicPr/>
+          <p:nvPr/>
+        </p:nvPicPr>
+        <p:blipFill>
+          <a:blip r:embed="rId20" cstate="print">
+            <a:extLst>
+              <a:ext uri="{28A0092B-C50C-407E-A947-70E740481C1C}">
+                <a14:useLocalDpi xmlns:a14="http://schemas.microsoft.com/office/drawing/2010/main" val="0"/>
+              </a:ext>
+            </a:extLst>
+          </a:blip>
+          <a:srcRect/>
+          <a:stretch>
+            <a:fillRect/>
+          </a:stretch>
+        </p:blipFill>
+        <p:spPr bwMode="auto">
+          <a:xfrm>
+            <a:off x="19148716" y="15994238"/>
+            <a:ext cx="1923415" cy="1920240"/>
+          </a:xfrm>
+          <a:prstGeom prst="rect">
+            <a:avLst/>
+          </a:prstGeom>
+          <a:noFill/>
+          <a:ln>
             <a:noFill/>
-            <a:ln>
-              <a:noFill/>
-            </a:ln>
-          </p:spPr>
-        </p:pic>
-        <p:pic>
-          <p:nvPicPr>
-            <p:cNvPr id="56" name="Picture 55"/>
-            <p:cNvPicPr/>
-            <p:nvPr/>
-          </p:nvPicPr>
-          <p:blipFill>
-            <a:blip r:embed="rId21" cstate="print">
-              <a:extLst>
-                <a:ext uri="{28A0092B-C50C-407E-A947-70E740481C1C}">
-                  <a14:useLocalDpi xmlns:a14="http://schemas.microsoft.com/office/drawing/2010/main" val="0"/>
-                </a:ext>
-              </a:extLst>
-            </a:blip>
-            <a:srcRect/>
-            <a:stretch>
-              <a:fillRect/>
-            </a:stretch>
-          </p:blipFill>
-          <p:spPr bwMode="auto">
-            <a:xfrm>
-              <a:off x="24151988" y="16219302"/>
-              <a:ext cx="1923415" cy="1920240"/>
-            </a:xfrm>
-            <a:prstGeom prst="rect">
-              <a:avLst/>
-            </a:prstGeom>
+          </a:ln>
+        </p:spPr>
+      </p:pic>
+      <p:pic>
+        <p:nvPicPr>
+          <p:cNvPr id="56" name="Picture 55"/>
+          <p:cNvPicPr/>
+          <p:nvPr/>
+        </p:nvPicPr>
+        <p:blipFill>
+          <a:blip r:embed="rId21" cstate="print">
+            <a:extLst>
+              <a:ext uri="{28A0092B-C50C-407E-A947-70E740481C1C}">
+                <a14:useLocalDpi xmlns:a14="http://schemas.microsoft.com/office/drawing/2010/main" val="0"/>
+              </a:ext>
+            </a:extLst>
+          </a:blip>
+          <a:srcRect/>
+          <a:stretch>
+            <a:fillRect/>
+          </a:stretch>
+        </p:blipFill>
+        <p:spPr bwMode="auto">
+          <a:xfrm>
+            <a:off x="24170139" y="15994238"/>
+            <a:ext cx="1923415" cy="1920240"/>
+          </a:xfrm>
+          <a:prstGeom prst="rect">
+            <a:avLst/>
+          </a:prstGeom>
+          <a:noFill/>
+          <a:ln>
             <a:noFill/>
-            <a:ln>
-              <a:noFill/>
-            </a:ln>
-          </p:spPr>
-        </p:pic>
-        <p:sp>
-          <p:nvSpPr>
-            <p:cNvPr id="57" name="TextBox 56"/>
-            <p:cNvSpPr txBox="1"/>
-            <p:nvPr/>
-          </p:nvSpPr>
-          <p:spPr>
-            <a:xfrm>
-              <a:off x="18605500" y="18150102"/>
-              <a:ext cx="8075081" cy="646331"/>
-            </a:xfrm>
-            <a:prstGeom prst="rect">
-              <a:avLst/>
-            </a:prstGeom>
-            <a:noFill/>
-          </p:spPr>
-          <p:txBody>
-            <a:bodyPr wrap="square" rtlCol="0">
-              <a:spAutoFit/>
-            </a:bodyPr>
-            <a:lstStyle/>
-            <a:p>
-              <a:r>
-                <a:rPr lang="en-US" sz="1800" dirty="0" smtClean="0">
-                  <a:latin typeface="Times New Roman" pitchFamily="18" charset="0"/>
-                </a:rPr>
-                <a:t>Figure </a:t>
-              </a:r>
-              <a:r>
-                <a:rPr lang="en-US" sz="1800" dirty="0">
-                  <a:latin typeface="Times New Roman" pitchFamily="18" charset="0"/>
-                </a:rPr>
-                <a:t>3</a:t>
-              </a:r>
-              <a:r>
-                <a:rPr lang="en-US" sz="1800" dirty="0" smtClean="0">
-                  <a:latin typeface="Times New Roman" pitchFamily="18" charset="0"/>
-                </a:rPr>
-                <a:t>. The distribution of number of words in students’ reflections: Point of Interest (POI), Muddiest Point (MP), and Learning Point (LP)</a:t>
-              </a:r>
-              <a:endParaRPr lang="en-US" sz="1800" dirty="0">
+          </a:ln>
+        </p:spPr>
+      </p:pic>
+      <p:sp>
+        <p:nvSpPr>
+          <p:cNvPr id="57" name="TextBox 56"/>
+          <p:cNvSpPr txBox="1"/>
+          <p:nvPr/>
+        </p:nvSpPr>
+        <p:spPr>
+          <a:xfrm>
+            <a:off x="18623651" y="17925038"/>
+            <a:ext cx="8075081" cy="646331"/>
+          </a:xfrm>
+          <a:prstGeom prst="rect">
+            <a:avLst/>
+          </a:prstGeom>
+          <a:noFill/>
+        </p:spPr>
+        <p:txBody>
+          <a:bodyPr wrap="square" rtlCol="0">
+            <a:spAutoFit/>
+          </a:bodyPr>
+          <a:lstStyle/>
+          <a:p>
+            <a:r>
+              <a:rPr lang="en-US" sz="1800" dirty="0" smtClean="0">
                 <a:latin typeface="Times New Roman" pitchFamily="18" charset="0"/>
-              </a:endParaRPr>
-            </a:p>
-          </p:txBody>
-        </p:sp>
-      </p:grpSp>
+              </a:rPr>
+              <a:t>Figure </a:t>
+            </a:r>
+            <a:r>
+              <a:rPr lang="en-US" sz="1800" dirty="0">
+                <a:latin typeface="Times New Roman" pitchFamily="18" charset="0"/>
+              </a:rPr>
+              <a:t>3</a:t>
+            </a:r>
+            <a:r>
+              <a:rPr lang="en-US" sz="1800" dirty="0" smtClean="0">
+                <a:latin typeface="Times New Roman" pitchFamily="18" charset="0"/>
+              </a:rPr>
+              <a:t>. The distribution of number of words in students’ reflections: Point of Interest (POI), Muddiest Point (MP), and Learning Point (LP)</a:t>
+            </a:r>
+            <a:endParaRPr lang="en-US" sz="1800" dirty="0">
+              <a:latin typeface="Times New Roman" pitchFamily="18" charset="0"/>
+            </a:endParaRPr>
+          </a:p>
+        </p:txBody>
+      </p:sp>
       <p:graphicFrame>
         <p:nvGraphicFramePr>
           <p:cNvPr id="13" name="Table 12"/>
